--- a/Презентация/Пезентация.pptx
+++ b/Презентация/Пезентация.pptx
@@ -1,6 +1,6 @@
 
 <file path=ppt/presentation.xml><?xml version="1.0" encoding="utf-8"?>
-<p:presentation xmlns:a="http://schemas.openxmlformats.org/drawingml/2006/main" xmlns:r="http://schemas.openxmlformats.org/officeDocument/2006/relationships" xmlns:p="http://schemas.openxmlformats.org/presentationml/2006/main" saveSubsetFonts="1">
+<p:presentation xmlns:a="http://schemas.openxmlformats.org/drawingml/2006/main" xmlns:r="http://schemas.openxmlformats.org/officeDocument/2006/relationships" xmlns:p="http://schemas.openxmlformats.org/presentationml/2006/main" showSpecialPlsOnTitleSld="0" saveSubsetFonts="1">
   <p:sldMasterIdLst>
     <p:sldMasterId id="2147483696" r:id="rId1"/>
   </p:sldMasterIdLst>
@@ -295,7 +295,7 @@
               <a:pPr>
                 <a:defRPr/>
               </a:pPr>
-              <a:t>12.06.2020</a:t>
+              <a:t>18.06.2020</a:t>
             </a:fld>
             <a:endParaRPr lang="ru-RU"/>
           </a:p>
@@ -2168,12 +2168,9 @@
             <a:pPr>
               <a:defRPr/>
             </a:pPr>
-            <a:fld id="{E5C50092-FB80-49EB-9A99-07056B5F3318}" type="datetimeFigureOut">
-              <a:rPr lang="ru-RU"/>
-              <a:pPr>
-                <a:defRPr/>
-              </a:pPr>
-              <a:t>12.06.2020</a:t>
+            <a:fld id="{EB94E5AD-53DE-4D4E-8607-B74761B74304}" type="datetime1">
+              <a:rPr lang="ru-RU" smtClean="0"/>
+              <a:t>18.06.2020</a:t>
             </a:fld>
             <a:endParaRPr lang="ru-RU"/>
           </a:p>
@@ -2381,12 +2378,9 @@
             <a:pPr>
               <a:defRPr/>
             </a:pPr>
-            <a:fld id="{A12FEEBD-7E66-47E2-B86E-0C65424E6A73}" type="datetimeFigureOut">
-              <a:rPr lang="ru-RU"/>
-              <a:pPr>
-                <a:defRPr/>
-              </a:pPr>
-              <a:t>12.06.2020</a:t>
+            <a:fld id="{49571EA5-0BFA-48F7-AA5F-98BA34E421D7}" type="datetime1">
+              <a:rPr lang="ru-RU" smtClean="0"/>
+              <a:t>18.06.2020</a:t>
             </a:fld>
             <a:endParaRPr lang="ru-RU"/>
           </a:p>
@@ -2604,12 +2598,9 @@
             <a:pPr>
               <a:defRPr/>
             </a:pPr>
-            <a:fld id="{5D684DBA-2AEF-4E24-A311-3F9FD10D1307}" type="datetimeFigureOut">
-              <a:rPr lang="ru-RU"/>
-              <a:pPr>
-                <a:defRPr/>
-              </a:pPr>
-              <a:t>12.06.2020</a:t>
+            <a:fld id="{F4A213F8-73AF-4519-BE69-A43B6045161E}" type="datetime1">
+              <a:rPr lang="ru-RU" smtClean="0"/>
+              <a:t>18.06.2020</a:t>
             </a:fld>
             <a:endParaRPr lang="ru-RU"/>
           </a:p>
@@ -2817,12 +2808,9 @@
             <a:pPr>
               <a:defRPr/>
             </a:pPr>
-            <a:fld id="{16C162D4-70D0-428A-8D09-34688A3FA70A}" type="datetimeFigureOut">
-              <a:rPr lang="ru-RU"/>
-              <a:pPr>
-                <a:defRPr/>
-              </a:pPr>
-              <a:t>12.06.2020</a:t>
+            <a:fld id="{F81F4003-1ACE-485E-8EFD-990AD1A96B40}" type="datetime1">
+              <a:rPr lang="ru-RU" smtClean="0"/>
+              <a:t>18.06.2020</a:t>
             </a:fld>
             <a:endParaRPr lang="ru-RU"/>
           </a:p>
@@ -2881,7 +2869,13 @@
           <a:bodyPr/>
           <a:lstStyle>
             <a:lvl1pPr>
-              <a:defRPr/>
+              <a:defRPr sz="2400">
+                <a:solidFill>
+                  <a:schemeClr val="tx1"/>
+                </a:solidFill>
+                <a:latin typeface="Times New Roman" panose="02020603050405020304" pitchFamily="18" charset="0"/>
+                <a:cs typeface="Times New Roman" panose="02020603050405020304" pitchFamily="18" charset="0"/>
+              </a:defRPr>
             </a:lvl1pPr>
           </a:lstStyle>
           <a:p>
@@ -2889,7 +2883,7 @@
               <a:defRPr/>
             </a:pPr>
             <a:fld id="{5302CA2B-CCD5-4B1B-94AA-51A2F167E810}" type="slidenum">
-              <a:rPr lang="ru-RU" altLang="ru-RU"/>
+              <a:rPr lang="ru-RU" altLang="ru-RU" smtClean="0"/>
               <a:pPr>
                 <a:defRPr/>
               </a:pPr>
@@ -3107,12 +3101,9 @@
             <a:pPr>
               <a:defRPr/>
             </a:pPr>
-            <a:fld id="{AD46A8B6-9A57-4FF9-A32D-BC7C3986852A}" type="datetimeFigureOut">
-              <a:rPr lang="ru-RU"/>
-              <a:pPr>
-                <a:defRPr/>
-              </a:pPr>
-              <a:t>12.06.2020</a:t>
+            <a:fld id="{935BD883-29E9-4976-8BBC-9157FF978EAB}" type="datetime1">
+              <a:rPr lang="ru-RU" smtClean="0"/>
+              <a:t>18.06.2020</a:t>
             </a:fld>
             <a:endParaRPr lang="ru-RU"/>
           </a:p>
@@ -3381,12 +3372,9 @@
             <a:pPr>
               <a:defRPr/>
             </a:pPr>
-            <a:fld id="{C358273F-CBA7-4483-95DD-E5A3C75B8203}" type="datetimeFigureOut">
-              <a:rPr lang="ru-RU"/>
-              <a:pPr>
-                <a:defRPr/>
-              </a:pPr>
-              <a:t>12.06.2020</a:t>
+            <a:fld id="{274D0FC6-5CB6-47C0-8389-CB31F15F1050}" type="datetime1">
+              <a:rPr lang="ru-RU" smtClean="0"/>
+              <a:t>18.06.2020</a:t>
             </a:fld>
             <a:endParaRPr lang="ru-RU"/>
           </a:p>
@@ -3790,12 +3778,9 @@
             <a:pPr>
               <a:defRPr/>
             </a:pPr>
-            <a:fld id="{994CA577-5D13-4043-973A-F1996DA97920}" type="datetimeFigureOut">
-              <a:rPr lang="ru-RU"/>
-              <a:pPr>
-                <a:defRPr/>
-              </a:pPr>
-              <a:t>12.06.2020</a:t>
+            <a:fld id="{84DE45BC-C60F-4EF6-ACD6-E3C1B50A826B}" type="datetime1">
+              <a:rPr lang="ru-RU" smtClean="0"/>
+              <a:t>18.06.2020</a:t>
             </a:fld>
             <a:endParaRPr lang="ru-RU"/>
           </a:p>
@@ -3952,12 +3937,9 @@
             <a:pPr>
               <a:defRPr/>
             </a:pPr>
-            <a:fld id="{F9E24CE5-FC6B-4B7F-964F-F15AA624F55C}" type="datetimeFigureOut">
-              <a:rPr lang="ru-RU"/>
-              <a:pPr>
-                <a:defRPr/>
-              </a:pPr>
-              <a:t>12.06.2020</a:t>
+            <a:fld id="{F04A1D80-AD28-4F82-A800-A09E6BAE75BD}" type="datetime1">
+              <a:rPr lang="ru-RU" smtClean="0"/>
+              <a:t>18.06.2020</a:t>
             </a:fld>
             <a:endParaRPr lang="ru-RU"/>
           </a:p>
@@ -4092,12 +4074,9 @@
             <a:pPr>
               <a:defRPr/>
             </a:pPr>
-            <a:fld id="{52A0AD7B-12B1-46F1-B31E-4388BF069723}" type="datetimeFigureOut">
-              <a:rPr lang="ru-RU"/>
-              <a:pPr>
-                <a:defRPr/>
-              </a:pPr>
-              <a:t>12.06.2020</a:t>
+            <a:fld id="{000C1971-F672-4C2D-B3DD-4DDCC79160D5}" type="datetime1">
+              <a:rPr lang="ru-RU" smtClean="0"/>
+              <a:t>18.06.2020</a:t>
             </a:fld>
             <a:endParaRPr lang="ru-RU"/>
           </a:p>
@@ -4412,12 +4391,9 @@
             <a:pPr>
               <a:defRPr/>
             </a:pPr>
-            <a:fld id="{653BCCA2-A71C-419F-B9D8-9B700F50D8E4}" type="datetimeFigureOut">
-              <a:rPr lang="ru-RU"/>
-              <a:pPr>
-                <a:defRPr/>
-              </a:pPr>
-              <a:t>12.06.2020</a:t>
+            <a:fld id="{4643FA7C-C986-45F9-A9FC-8E33DEBA6C2B}" type="datetime1">
+              <a:rPr lang="ru-RU" smtClean="0"/>
+              <a:t>18.06.2020</a:t>
             </a:fld>
             <a:endParaRPr lang="ru-RU"/>
           </a:p>
@@ -4712,12 +4688,9 @@
             <a:pPr>
               <a:defRPr/>
             </a:pPr>
-            <a:fld id="{D83032EF-DA8E-4833-8B8C-0E69974C3F1E}" type="datetimeFigureOut">
-              <a:rPr lang="ru-RU"/>
-              <a:pPr>
-                <a:defRPr/>
-              </a:pPr>
-              <a:t>12.06.2020</a:t>
+            <a:fld id="{85802C1F-DCD7-4B57-A6BF-79340BD64C57}" type="datetime1">
+              <a:rPr lang="ru-RU" smtClean="0"/>
+              <a:t>18.06.2020</a:t>
             </a:fld>
             <a:endParaRPr lang="ru-RU"/>
           </a:p>
@@ -5037,12 +5010,9 @@
             <a:pPr>
               <a:defRPr/>
             </a:pPr>
-            <a:fld id="{98E0B6F1-A192-43D9-94F4-2482B9214A02}" type="datetimeFigureOut">
-              <a:rPr lang="ru-RU"/>
-              <a:pPr>
-                <a:defRPr/>
-              </a:pPr>
-              <a:t>12.06.2020</a:t>
+            <a:fld id="{B6799C89-43B1-4805-86AE-9CD6F24D553D}" type="datetime1">
+              <a:rPr lang="ru-RU" smtClean="0"/>
+              <a:t>18.06.2020</a:t>
             </a:fld>
             <a:endParaRPr lang="ru-RU"/>
           </a:p>
@@ -5177,6 +5147,7 @@
     <p:sldLayoutId id="2147483706" r:id="rId10"/>
     <p:sldLayoutId id="2147483707" r:id="rId11"/>
   </p:sldLayoutIdLst>
+  <p:hf hdr="0" ftr="0" dt="0"/>
   <p:txStyles>
     <p:titleStyle>
       <a:lvl1pPr algn="l" rtl="0" eaLnBrk="0" fontAlgn="base" hangingPunct="0">
@@ -6789,6 +6760,41 @@
           </a:p>
         </p:txBody>
       </p:sp>
+      <p:sp>
+        <p:nvSpPr>
+          <p:cNvPr id="2" name="Номер слайда 1">
+            <a:extLst>
+              <a:ext uri="{FF2B5EF4-FFF2-40B4-BE49-F238E27FC236}">
+                <a16:creationId xmlns:a16="http://schemas.microsoft.com/office/drawing/2014/main" id="{ABD3A75D-A4D8-43EB-970B-FC0DC1E15E76}"/>
+              </a:ext>
+            </a:extLst>
+          </p:cNvPr>
+          <p:cNvSpPr>
+            <a:spLocks noGrp="1"/>
+          </p:cNvSpPr>
+          <p:nvPr>
+            <p:ph type="sldNum" sz="quarter" idx="12"/>
+          </p:nvPr>
+        </p:nvSpPr>
+        <p:spPr/>
+        <p:txBody>
+          <a:bodyPr/>
+          <a:lstStyle/>
+          <a:p>
+            <a:pPr>
+              <a:defRPr/>
+            </a:pPr>
+            <a:fld id="{5302CA2B-CCD5-4B1B-94AA-51A2F167E810}" type="slidenum">
+              <a:rPr lang="ru-RU" altLang="ru-RU" smtClean="0"/>
+              <a:pPr>
+                <a:defRPr/>
+              </a:pPr>
+              <a:t>10</a:t>
+            </a:fld>
+            <a:endParaRPr lang="ru-RU" altLang="ru-RU"/>
+          </a:p>
+        </p:txBody>
+      </p:sp>
     </p:spTree>
   </p:cSld>
   <p:clrMapOvr>
@@ -6918,6 +6924,41 @@
           </a:p>
         </p:txBody>
       </p:sp>
+      <p:sp>
+        <p:nvSpPr>
+          <p:cNvPr id="2" name="Номер слайда 1">
+            <a:extLst>
+              <a:ext uri="{FF2B5EF4-FFF2-40B4-BE49-F238E27FC236}">
+                <a16:creationId xmlns:a16="http://schemas.microsoft.com/office/drawing/2014/main" id="{5CE2A391-270F-4E5F-8882-00BC5046CA6C}"/>
+              </a:ext>
+            </a:extLst>
+          </p:cNvPr>
+          <p:cNvSpPr>
+            <a:spLocks noGrp="1"/>
+          </p:cNvSpPr>
+          <p:nvPr>
+            <p:ph type="sldNum" sz="quarter" idx="12"/>
+          </p:nvPr>
+        </p:nvSpPr>
+        <p:spPr/>
+        <p:txBody>
+          <a:bodyPr/>
+          <a:lstStyle/>
+          <a:p>
+            <a:pPr>
+              <a:defRPr/>
+            </a:pPr>
+            <a:fld id="{5302CA2B-CCD5-4B1B-94AA-51A2F167E810}" type="slidenum">
+              <a:rPr lang="ru-RU" altLang="ru-RU" smtClean="0"/>
+              <a:pPr>
+                <a:defRPr/>
+              </a:pPr>
+              <a:t>11</a:t>
+            </a:fld>
+            <a:endParaRPr lang="ru-RU" altLang="ru-RU"/>
+          </a:p>
+        </p:txBody>
+      </p:sp>
     </p:spTree>
   </p:cSld>
   <p:clrMapOvr>
@@ -7010,6 +7051,41 @@
           </a:xfrm>
         </p:spPr>
       </p:pic>
+      <p:sp>
+        <p:nvSpPr>
+          <p:cNvPr id="2" name="Номер слайда 1">
+            <a:extLst>
+              <a:ext uri="{FF2B5EF4-FFF2-40B4-BE49-F238E27FC236}">
+                <a16:creationId xmlns:a16="http://schemas.microsoft.com/office/drawing/2014/main" id="{B1F63435-5EF3-4547-8763-7181D96B7206}"/>
+              </a:ext>
+            </a:extLst>
+          </p:cNvPr>
+          <p:cNvSpPr>
+            <a:spLocks noGrp="1"/>
+          </p:cNvSpPr>
+          <p:nvPr>
+            <p:ph type="sldNum" sz="quarter" idx="12"/>
+          </p:nvPr>
+        </p:nvSpPr>
+        <p:spPr/>
+        <p:txBody>
+          <a:bodyPr/>
+          <a:lstStyle/>
+          <a:p>
+            <a:pPr>
+              <a:defRPr/>
+            </a:pPr>
+            <a:fld id="{5302CA2B-CCD5-4B1B-94AA-51A2F167E810}" type="slidenum">
+              <a:rPr lang="ru-RU" altLang="ru-RU" smtClean="0"/>
+              <a:pPr>
+                <a:defRPr/>
+              </a:pPr>
+              <a:t>12</a:t>
+            </a:fld>
+            <a:endParaRPr lang="ru-RU" altLang="ru-RU"/>
+          </a:p>
+        </p:txBody>
+      </p:sp>
     </p:spTree>
   </p:cSld>
   <p:clrMapOvr>
@@ -7226,231 +7302,36 @@
       </p:sp>
       <p:sp>
         <p:nvSpPr>
-          <p:cNvPr id="18436" name="Нижний колонтитул 4">
-            <a:extLst>
-              <a:ext uri="{FF2B5EF4-FFF2-40B4-BE49-F238E27FC236}">
-                <a16:creationId xmlns:a16="http://schemas.microsoft.com/office/drawing/2014/main" id="{CD08C1BF-6F9B-422E-8351-24986840425D}"/>
-              </a:ext>
-            </a:extLst>
-          </p:cNvPr>
-          <p:cNvSpPr>
-            <a:spLocks noGrp="1" noChangeArrowheads="1"/>
-          </p:cNvSpPr>
-          <p:nvPr>
-            <p:ph type="ftr" sz="quarter" idx="11"/>
-          </p:nvPr>
-        </p:nvSpPr>
-        <p:spPr bwMode="auto">
-          <a:xfrm>
-            <a:off x="838200" y="6127750"/>
-            <a:ext cx="5167313" cy="365125"/>
-          </a:xfrm>
-          <a:noFill/>
-          <a:extLst>
-            <a:ext uri="{909E8E84-426E-40DD-AFC4-6F175D3DCCD1}">
-              <a14:hiddenFill xmlns:a14="http://schemas.microsoft.com/office/drawing/2010/main">
-                <a:solidFill>
-                  <a:srgbClr val="FFFFFF"/>
-                </a:solidFill>
-              </a14:hiddenFill>
-            </a:ext>
-            <a:ext uri="{91240B29-F687-4F45-9708-019B960494DF}">
-              <a14:hiddenLine xmlns:a14="http://schemas.microsoft.com/office/drawing/2010/main" w="9525">
-                <a:solidFill>
-                  <a:srgbClr val="000000"/>
-                </a:solidFill>
-                <a:miter lim="800000"/>
-                <a:headEnd/>
-                <a:tailEnd/>
-              </a14:hiddenLine>
-            </a:ext>
-          </a:extLst>
-        </p:spPr>
-        <p:txBody>
-          <a:bodyPr wrap="square" numCol="1" anchorCtr="0" compatLnSpc="1">
-            <a:prstTxWarp prst="textNoShape">
-              <a:avLst/>
-            </a:prstTxWarp>
-          </a:bodyPr>
-          <a:lstStyle>
-            <a:lvl1pPr marL="342900" indent="-342900">
-              <a:lnSpc>
-                <a:spcPct val="90000"/>
-              </a:lnSpc>
-              <a:spcBef>
-                <a:spcPts val="1000"/>
-              </a:spcBef>
-              <a:buFont typeface="Arial" panose="020B0604020202020204" pitchFamily="34" charset="0"/>
-              <a:buChar char="•"/>
-              <a:defRPr sz="2800">
-                <a:solidFill>
-                  <a:schemeClr val="tx1"/>
-                </a:solidFill>
-                <a:latin typeface="Calibri" panose="020F0502020204030204" pitchFamily="34" charset="0"/>
-              </a:defRPr>
-            </a:lvl1pPr>
-            <a:lvl2pPr marL="742950" indent="-285750">
-              <a:lnSpc>
-                <a:spcPct val="90000"/>
-              </a:lnSpc>
-              <a:spcBef>
-                <a:spcPts val="500"/>
-              </a:spcBef>
-              <a:buFont typeface="Arial" panose="020B0604020202020204" pitchFamily="34" charset="0"/>
-              <a:buChar char="•"/>
-              <a:defRPr sz="2400">
-                <a:solidFill>
-                  <a:schemeClr val="tx1"/>
-                </a:solidFill>
-                <a:latin typeface="Calibri" panose="020F0502020204030204" pitchFamily="34" charset="0"/>
-              </a:defRPr>
-            </a:lvl2pPr>
-            <a:lvl3pPr marL="1143000" indent="-228600">
-              <a:lnSpc>
-                <a:spcPct val="90000"/>
-              </a:lnSpc>
-              <a:spcBef>
-                <a:spcPts val="500"/>
-              </a:spcBef>
-              <a:buFont typeface="Arial" panose="020B0604020202020204" pitchFamily="34" charset="0"/>
-              <a:buChar char="•"/>
-              <a:defRPr sz="2000">
-                <a:solidFill>
-                  <a:schemeClr val="tx1"/>
-                </a:solidFill>
-                <a:latin typeface="Calibri" panose="020F0502020204030204" pitchFamily="34" charset="0"/>
-              </a:defRPr>
-            </a:lvl3pPr>
-            <a:lvl4pPr marL="1600200" indent="-228600">
-              <a:lnSpc>
-                <a:spcPct val="90000"/>
-              </a:lnSpc>
-              <a:spcBef>
-                <a:spcPts val="500"/>
-              </a:spcBef>
-              <a:buFont typeface="Arial" panose="020B0604020202020204" pitchFamily="34" charset="0"/>
-              <a:buChar char="•"/>
-              <a:defRPr>
-                <a:solidFill>
-                  <a:schemeClr val="tx1"/>
-                </a:solidFill>
-                <a:latin typeface="Calibri" panose="020F0502020204030204" pitchFamily="34" charset="0"/>
-              </a:defRPr>
-            </a:lvl4pPr>
-            <a:lvl5pPr marL="2057400" indent="-228600">
-              <a:lnSpc>
-                <a:spcPct val="90000"/>
-              </a:lnSpc>
-              <a:spcBef>
-                <a:spcPts val="500"/>
-              </a:spcBef>
-              <a:buFont typeface="Arial" panose="020B0604020202020204" pitchFamily="34" charset="0"/>
-              <a:buChar char="•"/>
-              <a:defRPr>
-                <a:solidFill>
-                  <a:schemeClr val="tx1"/>
-                </a:solidFill>
-                <a:latin typeface="Calibri" panose="020F0502020204030204" pitchFamily="34" charset="0"/>
-              </a:defRPr>
-            </a:lvl5pPr>
-            <a:lvl6pPr marL="2514600" indent="-228600" eaLnBrk="0" fontAlgn="base" hangingPunct="0">
-              <a:lnSpc>
-                <a:spcPct val="90000"/>
-              </a:lnSpc>
-              <a:spcBef>
-                <a:spcPts val="500"/>
-              </a:spcBef>
-              <a:spcAft>
-                <a:spcPct val="0"/>
-              </a:spcAft>
-              <a:buFont typeface="Arial" panose="020B0604020202020204" pitchFamily="34" charset="0"/>
-              <a:buChar char="•"/>
-              <a:defRPr>
-                <a:solidFill>
-                  <a:schemeClr val="tx1"/>
-                </a:solidFill>
-                <a:latin typeface="Calibri" panose="020F0502020204030204" pitchFamily="34" charset="0"/>
-              </a:defRPr>
-            </a:lvl6pPr>
-            <a:lvl7pPr marL="2971800" indent="-228600" eaLnBrk="0" fontAlgn="base" hangingPunct="0">
-              <a:lnSpc>
-                <a:spcPct val="90000"/>
-              </a:lnSpc>
-              <a:spcBef>
-                <a:spcPts val="500"/>
-              </a:spcBef>
-              <a:spcAft>
-                <a:spcPct val="0"/>
-              </a:spcAft>
-              <a:buFont typeface="Arial" panose="020B0604020202020204" pitchFamily="34" charset="0"/>
-              <a:buChar char="•"/>
-              <a:defRPr>
-                <a:solidFill>
-                  <a:schemeClr val="tx1"/>
-                </a:solidFill>
-                <a:latin typeface="Calibri" panose="020F0502020204030204" pitchFamily="34" charset="0"/>
-              </a:defRPr>
-            </a:lvl7pPr>
-            <a:lvl8pPr marL="3429000" indent="-228600" eaLnBrk="0" fontAlgn="base" hangingPunct="0">
-              <a:lnSpc>
-                <a:spcPct val="90000"/>
-              </a:lnSpc>
-              <a:spcBef>
-                <a:spcPts val="500"/>
-              </a:spcBef>
-              <a:spcAft>
-                <a:spcPct val="0"/>
-              </a:spcAft>
-              <a:buFont typeface="Arial" panose="020B0604020202020204" pitchFamily="34" charset="0"/>
-              <a:buChar char="•"/>
-              <a:defRPr>
-                <a:solidFill>
-                  <a:schemeClr val="tx1"/>
-                </a:solidFill>
-                <a:latin typeface="Calibri" panose="020F0502020204030204" pitchFamily="34" charset="0"/>
-              </a:defRPr>
-            </a:lvl8pPr>
-            <a:lvl9pPr marL="3886200" indent="-228600" eaLnBrk="0" fontAlgn="base" hangingPunct="0">
-              <a:lnSpc>
-                <a:spcPct val="90000"/>
-              </a:lnSpc>
-              <a:spcBef>
-                <a:spcPts val="500"/>
-              </a:spcBef>
-              <a:spcAft>
-                <a:spcPct val="0"/>
-              </a:spcAft>
-              <a:buFont typeface="Arial" panose="020B0604020202020204" pitchFamily="34" charset="0"/>
-              <a:buChar char="•"/>
-              <a:defRPr>
-                <a:solidFill>
-                  <a:schemeClr val="tx1"/>
-                </a:solidFill>
-                <a:latin typeface="Calibri" panose="020F0502020204030204" pitchFamily="34" charset="0"/>
-              </a:defRPr>
-            </a:lvl9pPr>
-          </a:lstStyle>
-          <a:p>
-            <a:pPr algn="l" fontAlgn="base">
-              <a:lnSpc>
-                <a:spcPct val="100000"/>
-              </a:lnSpc>
-              <a:spcBef>
-                <a:spcPct val="0"/>
-              </a:spcBef>
-              <a:spcAft>
-                <a:spcPct val="0"/>
-              </a:spcAft>
-              <a:buFontTx/>
-              <a:buAutoNum type="arabicPeriod"/>
+          <p:cNvPr id="2" name="Номер слайда 1">
+            <a:extLst>
+              <a:ext uri="{FF2B5EF4-FFF2-40B4-BE49-F238E27FC236}">
+                <a16:creationId xmlns:a16="http://schemas.microsoft.com/office/drawing/2014/main" id="{30710AFC-5A5D-4C11-B10B-4895615BE8D1}"/>
+              </a:ext>
+            </a:extLst>
+          </p:cNvPr>
+          <p:cNvSpPr>
+            <a:spLocks noGrp="1"/>
+          </p:cNvSpPr>
+          <p:nvPr>
+            <p:ph type="sldNum" sz="quarter" idx="12"/>
+          </p:nvPr>
+        </p:nvSpPr>
+        <p:spPr/>
+        <p:txBody>
+          <a:bodyPr/>
+          <a:lstStyle/>
+          <a:p>
+            <a:pPr>
+              <a:defRPr/>
             </a:pPr>
-            <a:r>
-              <a:rPr lang="en-US" altLang="ru-RU" sz="1600">
-                <a:latin typeface="Times New Roman" panose="02020603050405020304" pitchFamily="18" charset="0"/>
-                <a:cs typeface="Times New Roman" panose="02020603050405020304" pitchFamily="18" charset="0"/>
-              </a:rPr>
-              <a:t>http://yann.lecun.com/exdb/publis/pdf/lecun-90b.pdf</a:t>
-            </a:r>
+            <a:fld id="{5302CA2B-CCD5-4B1B-94AA-51A2F167E810}" type="slidenum">
+              <a:rPr lang="ru-RU" altLang="ru-RU" smtClean="0"/>
+              <a:pPr>
+                <a:defRPr/>
+              </a:pPr>
+              <a:t>13</a:t>
+            </a:fld>
+            <a:endParaRPr lang="ru-RU" altLang="ru-RU"/>
           </a:p>
         </p:txBody>
       </p:sp>
@@ -7684,235 +7565,36 @@
       </p:sp>
       <p:sp>
         <p:nvSpPr>
-          <p:cNvPr id="20484" name="Нижний колонтитул 3">
-            <a:extLst>
-              <a:ext uri="{FF2B5EF4-FFF2-40B4-BE49-F238E27FC236}">
-                <a16:creationId xmlns:a16="http://schemas.microsoft.com/office/drawing/2014/main" id="{C952968E-6B22-4453-81C7-040E5F883F7D}"/>
-              </a:ext>
-            </a:extLst>
-          </p:cNvPr>
-          <p:cNvSpPr>
-            <a:spLocks noGrp="1" noChangeArrowheads="1"/>
-          </p:cNvSpPr>
-          <p:nvPr>
-            <p:ph type="ftr" sz="quarter" idx="11"/>
-          </p:nvPr>
-        </p:nvSpPr>
-        <p:spPr bwMode="auto">
-          <a:xfrm>
-            <a:off x="838200" y="6127750"/>
-            <a:ext cx="9251950" cy="365125"/>
-          </a:xfrm>
-          <a:noFill/>
-          <a:extLst>
-            <a:ext uri="{909E8E84-426E-40DD-AFC4-6F175D3DCCD1}">
-              <a14:hiddenFill xmlns:a14="http://schemas.microsoft.com/office/drawing/2010/main">
-                <a:solidFill>
-                  <a:srgbClr val="FFFFFF"/>
-                </a:solidFill>
-              </a14:hiddenFill>
-            </a:ext>
-            <a:ext uri="{91240B29-F687-4F45-9708-019B960494DF}">
-              <a14:hiddenLine xmlns:a14="http://schemas.microsoft.com/office/drawing/2010/main" w="9525">
-                <a:solidFill>
-                  <a:srgbClr val="000000"/>
-                </a:solidFill>
-                <a:miter lim="800000"/>
-                <a:headEnd/>
-                <a:tailEnd/>
-              </a14:hiddenLine>
-            </a:ext>
-          </a:extLst>
-        </p:spPr>
-        <p:txBody>
-          <a:bodyPr wrap="square" numCol="1" anchorCtr="0" compatLnSpc="1">
-            <a:prstTxWarp prst="textNoShape">
-              <a:avLst/>
-            </a:prstTxWarp>
-          </a:bodyPr>
-          <a:lstStyle>
-            <a:lvl1pPr marL="342900" indent="-342900">
-              <a:lnSpc>
-                <a:spcPct val="90000"/>
-              </a:lnSpc>
-              <a:spcBef>
-                <a:spcPts val="1000"/>
-              </a:spcBef>
-              <a:buFont typeface="Arial" panose="020B0604020202020204" pitchFamily="34" charset="0"/>
-              <a:buChar char="•"/>
-              <a:defRPr sz="2800">
-                <a:solidFill>
-                  <a:schemeClr val="tx1"/>
-                </a:solidFill>
-                <a:latin typeface="Calibri" panose="020F0502020204030204" pitchFamily="34" charset="0"/>
-              </a:defRPr>
-            </a:lvl1pPr>
-            <a:lvl2pPr marL="742950" indent="-285750">
-              <a:lnSpc>
-                <a:spcPct val="90000"/>
-              </a:lnSpc>
-              <a:spcBef>
-                <a:spcPts val="500"/>
-              </a:spcBef>
-              <a:buFont typeface="Arial" panose="020B0604020202020204" pitchFamily="34" charset="0"/>
-              <a:buChar char="•"/>
-              <a:defRPr sz="2400">
-                <a:solidFill>
-                  <a:schemeClr val="tx1"/>
-                </a:solidFill>
-                <a:latin typeface="Calibri" panose="020F0502020204030204" pitchFamily="34" charset="0"/>
-              </a:defRPr>
-            </a:lvl2pPr>
-            <a:lvl3pPr marL="1143000" indent="-228600">
-              <a:lnSpc>
-                <a:spcPct val="90000"/>
-              </a:lnSpc>
-              <a:spcBef>
-                <a:spcPts val="500"/>
-              </a:spcBef>
-              <a:buFont typeface="Arial" panose="020B0604020202020204" pitchFamily="34" charset="0"/>
-              <a:buChar char="•"/>
-              <a:defRPr sz="2000">
-                <a:solidFill>
-                  <a:schemeClr val="tx1"/>
-                </a:solidFill>
-                <a:latin typeface="Calibri" panose="020F0502020204030204" pitchFamily="34" charset="0"/>
-              </a:defRPr>
-            </a:lvl3pPr>
-            <a:lvl4pPr marL="1600200" indent="-228600">
-              <a:lnSpc>
-                <a:spcPct val="90000"/>
-              </a:lnSpc>
-              <a:spcBef>
-                <a:spcPts val="500"/>
-              </a:spcBef>
-              <a:buFont typeface="Arial" panose="020B0604020202020204" pitchFamily="34" charset="0"/>
-              <a:buChar char="•"/>
-              <a:defRPr>
-                <a:solidFill>
-                  <a:schemeClr val="tx1"/>
-                </a:solidFill>
-                <a:latin typeface="Calibri" panose="020F0502020204030204" pitchFamily="34" charset="0"/>
-              </a:defRPr>
-            </a:lvl4pPr>
-            <a:lvl5pPr marL="2057400" indent="-228600">
-              <a:lnSpc>
-                <a:spcPct val="90000"/>
-              </a:lnSpc>
-              <a:spcBef>
-                <a:spcPts val="500"/>
-              </a:spcBef>
-              <a:buFont typeface="Arial" panose="020B0604020202020204" pitchFamily="34" charset="0"/>
-              <a:buChar char="•"/>
-              <a:defRPr>
-                <a:solidFill>
-                  <a:schemeClr val="tx1"/>
-                </a:solidFill>
-                <a:latin typeface="Calibri" panose="020F0502020204030204" pitchFamily="34" charset="0"/>
-              </a:defRPr>
-            </a:lvl5pPr>
-            <a:lvl6pPr marL="2514600" indent="-228600" eaLnBrk="0" fontAlgn="base" hangingPunct="0">
-              <a:lnSpc>
-                <a:spcPct val="90000"/>
-              </a:lnSpc>
-              <a:spcBef>
-                <a:spcPts val="500"/>
-              </a:spcBef>
-              <a:spcAft>
-                <a:spcPct val="0"/>
-              </a:spcAft>
-              <a:buFont typeface="Arial" panose="020B0604020202020204" pitchFamily="34" charset="0"/>
-              <a:buChar char="•"/>
-              <a:defRPr>
-                <a:solidFill>
-                  <a:schemeClr val="tx1"/>
-                </a:solidFill>
-                <a:latin typeface="Calibri" panose="020F0502020204030204" pitchFamily="34" charset="0"/>
-              </a:defRPr>
-            </a:lvl6pPr>
-            <a:lvl7pPr marL="2971800" indent="-228600" eaLnBrk="0" fontAlgn="base" hangingPunct="0">
-              <a:lnSpc>
-                <a:spcPct val="90000"/>
-              </a:lnSpc>
-              <a:spcBef>
-                <a:spcPts val="500"/>
-              </a:spcBef>
-              <a:spcAft>
-                <a:spcPct val="0"/>
-              </a:spcAft>
-              <a:buFont typeface="Arial" panose="020B0604020202020204" pitchFamily="34" charset="0"/>
-              <a:buChar char="•"/>
-              <a:defRPr>
-                <a:solidFill>
-                  <a:schemeClr val="tx1"/>
-                </a:solidFill>
-                <a:latin typeface="Calibri" panose="020F0502020204030204" pitchFamily="34" charset="0"/>
-              </a:defRPr>
-            </a:lvl7pPr>
-            <a:lvl8pPr marL="3429000" indent="-228600" eaLnBrk="0" fontAlgn="base" hangingPunct="0">
-              <a:lnSpc>
-                <a:spcPct val="90000"/>
-              </a:lnSpc>
-              <a:spcBef>
-                <a:spcPts val="500"/>
-              </a:spcBef>
-              <a:spcAft>
-                <a:spcPct val="0"/>
-              </a:spcAft>
-              <a:buFont typeface="Arial" panose="020B0604020202020204" pitchFamily="34" charset="0"/>
-              <a:buChar char="•"/>
-              <a:defRPr>
-                <a:solidFill>
-                  <a:schemeClr val="tx1"/>
-                </a:solidFill>
-                <a:latin typeface="Calibri" panose="020F0502020204030204" pitchFamily="34" charset="0"/>
-              </a:defRPr>
-            </a:lvl8pPr>
-            <a:lvl9pPr marL="3886200" indent="-228600" eaLnBrk="0" fontAlgn="base" hangingPunct="0">
-              <a:lnSpc>
-                <a:spcPct val="90000"/>
-              </a:lnSpc>
-              <a:spcBef>
-                <a:spcPts val="500"/>
-              </a:spcBef>
-              <a:spcAft>
-                <a:spcPct val="0"/>
-              </a:spcAft>
-              <a:buFont typeface="Arial" panose="020B0604020202020204" pitchFamily="34" charset="0"/>
-              <a:buChar char="•"/>
-              <a:defRPr>
-                <a:solidFill>
-                  <a:schemeClr val="tx1"/>
-                </a:solidFill>
-                <a:latin typeface="Calibri" panose="020F0502020204030204" pitchFamily="34" charset="0"/>
-              </a:defRPr>
-            </a:lvl9pPr>
-          </a:lstStyle>
-          <a:p>
-            <a:pPr fontAlgn="base">
-              <a:lnSpc>
-                <a:spcPct val="100000"/>
-              </a:lnSpc>
-              <a:spcBef>
-                <a:spcPct val="0"/>
-              </a:spcBef>
-              <a:spcAft>
-                <a:spcPct val="0"/>
-              </a:spcAft>
-              <a:buFont typeface="Calibri Light" panose="020F0302020204030204" pitchFamily="34" charset="0"/>
-              <a:buAutoNum type="arabicPeriod"/>
+          <p:cNvPr id="2" name="Номер слайда 1">
+            <a:extLst>
+              <a:ext uri="{FF2B5EF4-FFF2-40B4-BE49-F238E27FC236}">
+                <a16:creationId xmlns:a16="http://schemas.microsoft.com/office/drawing/2014/main" id="{3B57285B-4644-48CA-8F90-769D1A82FC80}"/>
+              </a:ext>
+            </a:extLst>
+          </p:cNvPr>
+          <p:cNvSpPr>
+            <a:spLocks noGrp="1"/>
+          </p:cNvSpPr>
+          <p:nvPr>
+            <p:ph type="sldNum" sz="quarter" idx="12"/>
+          </p:nvPr>
+        </p:nvSpPr>
+        <p:spPr/>
+        <p:txBody>
+          <a:bodyPr/>
+          <a:lstStyle/>
+          <a:p>
+            <a:pPr>
+              <a:defRPr/>
             </a:pPr>
-            <a:r>
-              <a:rPr lang="en-US" altLang="ru-RU" sz="1600">
-                <a:latin typeface="Times New Roman" panose="02020603050405020304" pitchFamily="18" charset="0"/>
-                <a:cs typeface="Times New Roman" panose="02020603050405020304" pitchFamily="18" charset="0"/>
-              </a:rPr>
-              <a:t>https://papers.nips.cc/paper/647-second-order-derivatives-for-network-pruning-optimal-brain-surgeon.pdf</a:t>
-            </a:r>
-            <a:endParaRPr lang="ru-RU" altLang="ru-RU" sz="1600">
-              <a:latin typeface="Times New Roman" panose="02020603050405020304" pitchFamily="18" charset="0"/>
-              <a:cs typeface="Times New Roman" panose="02020603050405020304" pitchFamily="18" charset="0"/>
-            </a:endParaRPr>
+            <a:fld id="{5302CA2B-CCD5-4B1B-94AA-51A2F167E810}" type="slidenum">
+              <a:rPr lang="ru-RU" altLang="ru-RU" smtClean="0"/>
+              <a:pPr>
+                <a:defRPr/>
+              </a:pPr>
+              <a:t>14</a:t>
+            </a:fld>
+            <a:endParaRPr lang="ru-RU" altLang="ru-RU"/>
           </a:p>
         </p:txBody>
       </p:sp>
@@ -8039,6 +7721,41 @@
           </a:p>
         </p:txBody>
       </p:sp>
+      <p:sp>
+        <p:nvSpPr>
+          <p:cNvPr id="2" name="Номер слайда 1">
+            <a:extLst>
+              <a:ext uri="{FF2B5EF4-FFF2-40B4-BE49-F238E27FC236}">
+                <a16:creationId xmlns:a16="http://schemas.microsoft.com/office/drawing/2014/main" id="{579CAC89-B9C2-4E41-922B-1C50C95A600C}"/>
+              </a:ext>
+            </a:extLst>
+          </p:cNvPr>
+          <p:cNvSpPr>
+            <a:spLocks noGrp="1"/>
+          </p:cNvSpPr>
+          <p:nvPr>
+            <p:ph type="sldNum" sz="quarter" idx="12"/>
+          </p:nvPr>
+        </p:nvSpPr>
+        <p:spPr/>
+        <p:txBody>
+          <a:bodyPr/>
+          <a:lstStyle/>
+          <a:p>
+            <a:pPr>
+              <a:defRPr/>
+            </a:pPr>
+            <a:fld id="{5302CA2B-CCD5-4B1B-94AA-51A2F167E810}" type="slidenum">
+              <a:rPr lang="ru-RU" altLang="ru-RU" smtClean="0"/>
+              <a:pPr>
+                <a:defRPr/>
+              </a:pPr>
+              <a:t>15</a:t>
+            </a:fld>
+            <a:endParaRPr lang="ru-RU" altLang="ru-RU"/>
+          </a:p>
+        </p:txBody>
+      </p:sp>
     </p:spTree>
   </p:cSld>
   <p:clrMapOvr>
@@ -8203,6 +7920,41 @@
           </a:extLst>
         </p:spPr>
       </p:pic>
+      <p:sp>
+        <p:nvSpPr>
+          <p:cNvPr id="2" name="Номер слайда 1">
+            <a:extLst>
+              <a:ext uri="{FF2B5EF4-FFF2-40B4-BE49-F238E27FC236}">
+                <a16:creationId xmlns:a16="http://schemas.microsoft.com/office/drawing/2014/main" id="{9D1C55CF-6539-4507-ACAF-5CDE21386294}"/>
+              </a:ext>
+            </a:extLst>
+          </p:cNvPr>
+          <p:cNvSpPr>
+            <a:spLocks noGrp="1"/>
+          </p:cNvSpPr>
+          <p:nvPr>
+            <p:ph type="sldNum" sz="quarter" idx="12"/>
+          </p:nvPr>
+        </p:nvSpPr>
+        <p:spPr/>
+        <p:txBody>
+          <a:bodyPr/>
+          <a:lstStyle/>
+          <a:p>
+            <a:pPr>
+              <a:defRPr/>
+            </a:pPr>
+            <a:fld id="{5302CA2B-CCD5-4B1B-94AA-51A2F167E810}" type="slidenum">
+              <a:rPr lang="ru-RU" altLang="ru-RU" smtClean="0"/>
+              <a:pPr>
+                <a:defRPr/>
+              </a:pPr>
+              <a:t>16</a:t>
+            </a:fld>
+            <a:endParaRPr lang="ru-RU" altLang="ru-RU"/>
+          </a:p>
+        </p:txBody>
+      </p:sp>
     </p:spTree>
   </p:cSld>
   <p:clrMapOvr>
@@ -8312,6 +8064,41 @@
           </a:p>
         </p:txBody>
       </p:sp>
+      <p:sp>
+        <p:nvSpPr>
+          <p:cNvPr id="2" name="Номер слайда 1">
+            <a:extLst>
+              <a:ext uri="{FF2B5EF4-FFF2-40B4-BE49-F238E27FC236}">
+                <a16:creationId xmlns:a16="http://schemas.microsoft.com/office/drawing/2014/main" id="{08CAF5F5-2457-4BEC-B28C-DE32A22707CC}"/>
+              </a:ext>
+            </a:extLst>
+          </p:cNvPr>
+          <p:cNvSpPr>
+            <a:spLocks noGrp="1"/>
+          </p:cNvSpPr>
+          <p:nvPr>
+            <p:ph type="sldNum" sz="quarter" idx="12"/>
+          </p:nvPr>
+        </p:nvSpPr>
+        <p:spPr/>
+        <p:txBody>
+          <a:bodyPr/>
+          <a:lstStyle/>
+          <a:p>
+            <a:pPr>
+              <a:defRPr/>
+            </a:pPr>
+            <a:fld id="{5302CA2B-CCD5-4B1B-94AA-51A2F167E810}" type="slidenum">
+              <a:rPr lang="ru-RU" altLang="ru-RU" smtClean="0"/>
+              <a:pPr>
+                <a:defRPr/>
+              </a:pPr>
+              <a:t>17</a:t>
+            </a:fld>
+            <a:endParaRPr lang="ru-RU" altLang="ru-RU"/>
+          </a:p>
+        </p:txBody>
+      </p:sp>
     </p:spTree>
   </p:cSld>
   <p:clrMapOvr>
@@ -8465,6 +8252,41 @@
           </a:extLst>
         </p:spPr>
       </p:pic>
+      <p:sp>
+        <p:nvSpPr>
+          <p:cNvPr id="2" name="Номер слайда 1">
+            <a:extLst>
+              <a:ext uri="{FF2B5EF4-FFF2-40B4-BE49-F238E27FC236}">
+                <a16:creationId xmlns:a16="http://schemas.microsoft.com/office/drawing/2014/main" id="{7522236A-0594-4883-9936-6BF30A962710}"/>
+              </a:ext>
+            </a:extLst>
+          </p:cNvPr>
+          <p:cNvSpPr>
+            <a:spLocks noGrp="1"/>
+          </p:cNvSpPr>
+          <p:nvPr>
+            <p:ph type="sldNum" sz="quarter" idx="12"/>
+          </p:nvPr>
+        </p:nvSpPr>
+        <p:spPr/>
+        <p:txBody>
+          <a:bodyPr/>
+          <a:lstStyle/>
+          <a:p>
+            <a:pPr>
+              <a:defRPr/>
+            </a:pPr>
+            <a:fld id="{5302CA2B-CCD5-4B1B-94AA-51A2F167E810}" type="slidenum">
+              <a:rPr lang="ru-RU" altLang="ru-RU" smtClean="0"/>
+              <a:pPr>
+                <a:defRPr/>
+              </a:pPr>
+              <a:t>18</a:t>
+            </a:fld>
+            <a:endParaRPr lang="ru-RU" altLang="ru-RU"/>
+          </a:p>
+        </p:txBody>
+      </p:sp>
     </p:spTree>
   </p:cSld>
   <p:clrMapOvr>
@@ -8574,6 +8396,41 @@
           </a:p>
         </p:txBody>
       </p:sp>
+      <p:sp>
+        <p:nvSpPr>
+          <p:cNvPr id="2" name="Номер слайда 1">
+            <a:extLst>
+              <a:ext uri="{FF2B5EF4-FFF2-40B4-BE49-F238E27FC236}">
+                <a16:creationId xmlns:a16="http://schemas.microsoft.com/office/drawing/2014/main" id="{EB067C4E-8D7E-494D-A954-A1979E7A6DCC}"/>
+              </a:ext>
+            </a:extLst>
+          </p:cNvPr>
+          <p:cNvSpPr>
+            <a:spLocks noGrp="1"/>
+          </p:cNvSpPr>
+          <p:nvPr>
+            <p:ph type="sldNum" sz="quarter" idx="12"/>
+          </p:nvPr>
+        </p:nvSpPr>
+        <p:spPr/>
+        <p:txBody>
+          <a:bodyPr/>
+          <a:lstStyle/>
+          <a:p>
+            <a:pPr>
+              <a:defRPr/>
+            </a:pPr>
+            <a:fld id="{5302CA2B-CCD5-4B1B-94AA-51A2F167E810}" type="slidenum">
+              <a:rPr lang="ru-RU" altLang="ru-RU" smtClean="0"/>
+              <a:pPr>
+                <a:defRPr/>
+              </a:pPr>
+              <a:t>19</a:t>
+            </a:fld>
+            <a:endParaRPr lang="ru-RU" altLang="ru-RU"/>
+          </a:p>
+        </p:txBody>
+      </p:sp>
     </p:spTree>
   </p:cSld>
   <p:clrMapOvr>
@@ -8708,6 +8565,41 @@
           </a:p>
         </p:txBody>
       </p:sp>
+      <p:sp>
+        <p:nvSpPr>
+          <p:cNvPr id="2" name="Номер слайда 1">
+            <a:extLst>
+              <a:ext uri="{FF2B5EF4-FFF2-40B4-BE49-F238E27FC236}">
+                <a16:creationId xmlns:a16="http://schemas.microsoft.com/office/drawing/2014/main" id="{0EC4D3B7-B54B-45B7-AAFB-2419B2D6652C}"/>
+              </a:ext>
+            </a:extLst>
+          </p:cNvPr>
+          <p:cNvSpPr>
+            <a:spLocks noGrp="1"/>
+          </p:cNvSpPr>
+          <p:nvPr>
+            <p:ph type="sldNum" sz="quarter" idx="12"/>
+          </p:nvPr>
+        </p:nvSpPr>
+        <p:spPr/>
+        <p:txBody>
+          <a:bodyPr/>
+          <a:lstStyle/>
+          <a:p>
+            <a:pPr>
+              <a:defRPr/>
+            </a:pPr>
+            <a:fld id="{5302CA2B-CCD5-4B1B-94AA-51A2F167E810}" type="slidenum">
+              <a:rPr lang="ru-RU" altLang="ru-RU" smtClean="0"/>
+              <a:pPr>
+                <a:defRPr/>
+              </a:pPr>
+              <a:t>2</a:t>
+            </a:fld>
+            <a:endParaRPr lang="ru-RU" altLang="ru-RU"/>
+          </a:p>
+        </p:txBody>
+      </p:sp>
     </p:spTree>
   </p:cSld>
   <p:clrMapOvr>
@@ -8884,6 +8776,41 @@
           </a:p>
         </p:txBody>
       </p:sp>
+      <p:sp>
+        <p:nvSpPr>
+          <p:cNvPr id="2" name="Номер слайда 1">
+            <a:extLst>
+              <a:ext uri="{FF2B5EF4-FFF2-40B4-BE49-F238E27FC236}">
+                <a16:creationId xmlns:a16="http://schemas.microsoft.com/office/drawing/2014/main" id="{6183BC5D-C1FD-4A4D-BD51-55D88B4923BB}"/>
+              </a:ext>
+            </a:extLst>
+          </p:cNvPr>
+          <p:cNvSpPr>
+            <a:spLocks noGrp="1"/>
+          </p:cNvSpPr>
+          <p:nvPr>
+            <p:ph type="sldNum" sz="quarter" idx="12"/>
+          </p:nvPr>
+        </p:nvSpPr>
+        <p:spPr/>
+        <p:txBody>
+          <a:bodyPr/>
+          <a:lstStyle/>
+          <a:p>
+            <a:pPr>
+              <a:defRPr/>
+            </a:pPr>
+            <a:fld id="{5302CA2B-CCD5-4B1B-94AA-51A2F167E810}" type="slidenum">
+              <a:rPr lang="ru-RU" altLang="ru-RU" smtClean="0"/>
+              <a:pPr>
+                <a:defRPr/>
+              </a:pPr>
+              <a:t>20</a:t>
+            </a:fld>
+            <a:endParaRPr lang="ru-RU" altLang="ru-RU"/>
+          </a:p>
+        </p:txBody>
+      </p:sp>
     </p:spTree>
   </p:cSld>
   <p:clrMapOvr>
@@ -8940,8 +8867,8 @@
           </a:p>
         </p:txBody>
       </p:sp>
-      <mc:AlternateContent xmlns:mc="http://schemas.openxmlformats.org/markup-compatibility/2006">
-        <mc:Choice xmlns:a14="http://schemas.microsoft.com/office/drawing/2010/main" Requires="a14">
+      <mc:AlternateContent xmlns:mc="http://schemas.openxmlformats.org/markup-compatibility/2006" xmlns:a14="http://schemas.microsoft.com/office/drawing/2010/main">
+        <mc:Choice Requires="a14">
           <p:sp>
             <p:nvSpPr>
               <p:cNvPr id="3" name="Объект 2">
@@ -9088,7 +9015,7 @@
             </p:txBody>
           </p:sp>
         </mc:Choice>
-        <mc:Fallback>
+        <mc:Fallback xmlns="">
           <p:sp>
             <p:nvSpPr>
               <p:cNvPr id="3" name="Объект 2">
@@ -9128,6 +9055,41 @@
           </p:sp>
         </mc:Fallback>
       </mc:AlternateContent>
+      <p:sp>
+        <p:nvSpPr>
+          <p:cNvPr id="4" name="Номер слайда 3">
+            <a:extLst>
+              <a:ext uri="{FF2B5EF4-FFF2-40B4-BE49-F238E27FC236}">
+                <a16:creationId xmlns:a16="http://schemas.microsoft.com/office/drawing/2014/main" id="{F9D0A554-2D84-4773-A687-9F74EE4455F2}"/>
+              </a:ext>
+            </a:extLst>
+          </p:cNvPr>
+          <p:cNvSpPr>
+            <a:spLocks noGrp="1"/>
+          </p:cNvSpPr>
+          <p:nvPr>
+            <p:ph type="sldNum" sz="quarter" idx="12"/>
+          </p:nvPr>
+        </p:nvSpPr>
+        <p:spPr/>
+        <p:txBody>
+          <a:bodyPr/>
+          <a:lstStyle/>
+          <a:p>
+            <a:pPr>
+              <a:defRPr/>
+            </a:pPr>
+            <a:fld id="{5302CA2B-CCD5-4B1B-94AA-51A2F167E810}" type="slidenum">
+              <a:rPr lang="ru-RU" altLang="ru-RU" smtClean="0"/>
+              <a:pPr>
+                <a:defRPr/>
+              </a:pPr>
+              <a:t>21</a:t>
+            </a:fld>
+            <a:endParaRPr lang="ru-RU" altLang="ru-RU"/>
+          </a:p>
+        </p:txBody>
+      </p:sp>
     </p:spTree>
     <p:extLst>
       <p:ext uri="{BB962C8B-B14F-4D97-AF65-F5344CB8AC3E}">
@@ -9194,6 +9156,41 @@
           </a:xfrm>
         </p:spPr>
       </p:pic>
+      <p:sp>
+        <p:nvSpPr>
+          <p:cNvPr id="2" name="Номер слайда 1">
+            <a:extLst>
+              <a:ext uri="{FF2B5EF4-FFF2-40B4-BE49-F238E27FC236}">
+                <a16:creationId xmlns:a16="http://schemas.microsoft.com/office/drawing/2014/main" id="{444585F4-6209-4B48-A65F-1F4E1CE96162}"/>
+              </a:ext>
+            </a:extLst>
+          </p:cNvPr>
+          <p:cNvSpPr>
+            <a:spLocks noGrp="1"/>
+          </p:cNvSpPr>
+          <p:nvPr>
+            <p:ph type="sldNum" sz="quarter" idx="12"/>
+          </p:nvPr>
+        </p:nvSpPr>
+        <p:spPr/>
+        <p:txBody>
+          <a:bodyPr/>
+          <a:lstStyle/>
+          <a:p>
+            <a:pPr>
+              <a:defRPr/>
+            </a:pPr>
+            <a:fld id="{5302CA2B-CCD5-4B1B-94AA-51A2F167E810}" type="slidenum">
+              <a:rPr lang="ru-RU" altLang="ru-RU" smtClean="0"/>
+              <a:pPr>
+                <a:defRPr/>
+              </a:pPr>
+              <a:t>22</a:t>
+            </a:fld>
+            <a:endParaRPr lang="ru-RU" altLang="ru-RU"/>
+          </a:p>
+        </p:txBody>
+      </p:sp>
     </p:spTree>
   </p:cSld>
   <p:clrMapOvr>
@@ -9255,6 +9252,41 @@
           </a:xfrm>
         </p:spPr>
       </p:pic>
+      <p:sp>
+        <p:nvSpPr>
+          <p:cNvPr id="2" name="Номер слайда 1">
+            <a:extLst>
+              <a:ext uri="{FF2B5EF4-FFF2-40B4-BE49-F238E27FC236}">
+                <a16:creationId xmlns:a16="http://schemas.microsoft.com/office/drawing/2014/main" id="{0FEEC981-CB5E-4E63-A7CD-6F94CEEE8E13}"/>
+              </a:ext>
+            </a:extLst>
+          </p:cNvPr>
+          <p:cNvSpPr>
+            <a:spLocks noGrp="1"/>
+          </p:cNvSpPr>
+          <p:nvPr>
+            <p:ph type="sldNum" sz="quarter" idx="12"/>
+          </p:nvPr>
+        </p:nvSpPr>
+        <p:spPr/>
+        <p:txBody>
+          <a:bodyPr/>
+          <a:lstStyle/>
+          <a:p>
+            <a:pPr>
+              <a:defRPr/>
+            </a:pPr>
+            <a:fld id="{5302CA2B-CCD5-4B1B-94AA-51A2F167E810}" type="slidenum">
+              <a:rPr lang="ru-RU" altLang="ru-RU" smtClean="0"/>
+              <a:pPr>
+                <a:defRPr/>
+              </a:pPr>
+              <a:t>23</a:t>
+            </a:fld>
+            <a:endParaRPr lang="ru-RU" altLang="ru-RU"/>
+          </a:p>
+        </p:txBody>
+      </p:sp>
     </p:spTree>
   </p:cSld>
   <p:clrMapOvr>
@@ -9384,6 +9416,41 @@
               </a:rPr>
               <a:t>сетей.</a:t>
             </a:r>
+          </a:p>
+        </p:txBody>
+      </p:sp>
+      <p:sp>
+        <p:nvSpPr>
+          <p:cNvPr id="4" name="Номер слайда 3">
+            <a:extLst>
+              <a:ext uri="{FF2B5EF4-FFF2-40B4-BE49-F238E27FC236}">
+                <a16:creationId xmlns:a16="http://schemas.microsoft.com/office/drawing/2014/main" id="{00845F3F-5C4F-4F5E-AAFB-BF863E5E0799}"/>
+              </a:ext>
+            </a:extLst>
+          </p:cNvPr>
+          <p:cNvSpPr>
+            <a:spLocks noGrp="1"/>
+          </p:cNvSpPr>
+          <p:nvPr>
+            <p:ph type="sldNum" sz="quarter" idx="12"/>
+          </p:nvPr>
+        </p:nvSpPr>
+        <p:spPr/>
+        <p:txBody>
+          <a:bodyPr/>
+          <a:lstStyle/>
+          <a:p>
+            <a:pPr>
+              <a:defRPr/>
+            </a:pPr>
+            <a:fld id="{5302CA2B-CCD5-4B1B-94AA-51A2F167E810}" type="slidenum">
+              <a:rPr lang="ru-RU" altLang="ru-RU" smtClean="0"/>
+              <a:pPr>
+                <a:defRPr/>
+              </a:pPr>
+              <a:t>24</a:t>
+            </a:fld>
+            <a:endParaRPr lang="ru-RU" altLang="ru-RU"/>
           </a:p>
         </p:txBody>
       </p:sp>
@@ -9497,6 +9564,41 @@
           </a:xfrm>
         </p:spPr>
       </p:pic>
+      <p:sp>
+        <p:nvSpPr>
+          <p:cNvPr id="3" name="Номер слайда 2">
+            <a:extLst>
+              <a:ext uri="{FF2B5EF4-FFF2-40B4-BE49-F238E27FC236}">
+                <a16:creationId xmlns:a16="http://schemas.microsoft.com/office/drawing/2014/main" id="{64215E83-4DE1-4163-8A61-AEBD11FC8173}"/>
+              </a:ext>
+            </a:extLst>
+          </p:cNvPr>
+          <p:cNvSpPr>
+            <a:spLocks noGrp="1"/>
+          </p:cNvSpPr>
+          <p:nvPr>
+            <p:ph type="sldNum" sz="quarter" idx="12"/>
+          </p:nvPr>
+        </p:nvSpPr>
+        <p:spPr/>
+        <p:txBody>
+          <a:bodyPr/>
+          <a:lstStyle/>
+          <a:p>
+            <a:pPr>
+              <a:defRPr/>
+            </a:pPr>
+            <a:fld id="{5302CA2B-CCD5-4B1B-94AA-51A2F167E810}" type="slidenum">
+              <a:rPr lang="ru-RU" altLang="ru-RU" smtClean="0"/>
+              <a:pPr>
+                <a:defRPr/>
+              </a:pPr>
+              <a:t>25</a:t>
+            </a:fld>
+            <a:endParaRPr lang="ru-RU" altLang="ru-RU"/>
+          </a:p>
+        </p:txBody>
+      </p:sp>
     </p:spTree>
     <p:extLst>
       <p:ext uri="{BB962C8B-B14F-4D97-AF65-F5344CB8AC3E}">
@@ -9563,6 +9665,41 @@
           </a:xfrm>
         </p:spPr>
       </p:pic>
+      <p:sp>
+        <p:nvSpPr>
+          <p:cNvPr id="2" name="Номер слайда 1">
+            <a:extLst>
+              <a:ext uri="{FF2B5EF4-FFF2-40B4-BE49-F238E27FC236}">
+                <a16:creationId xmlns:a16="http://schemas.microsoft.com/office/drawing/2014/main" id="{FD3E4C91-D843-4ECB-8D0B-592ED2FE6390}"/>
+              </a:ext>
+            </a:extLst>
+          </p:cNvPr>
+          <p:cNvSpPr>
+            <a:spLocks noGrp="1"/>
+          </p:cNvSpPr>
+          <p:nvPr>
+            <p:ph type="sldNum" sz="quarter" idx="12"/>
+          </p:nvPr>
+        </p:nvSpPr>
+        <p:spPr/>
+        <p:txBody>
+          <a:bodyPr/>
+          <a:lstStyle/>
+          <a:p>
+            <a:pPr>
+              <a:defRPr/>
+            </a:pPr>
+            <a:fld id="{5302CA2B-CCD5-4B1B-94AA-51A2F167E810}" type="slidenum">
+              <a:rPr lang="ru-RU" altLang="ru-RU" smtClean="0"/>
+              <a:pPr>
+                <a:defRPr/>
+              </a:pPr>
+              <a:t>26</a:t>
+            </a:fld>
+            <a:endParaRPr lang="ru-RU" altLang="ru-RU"/>
+          </a:p>
+        </p:txBody>
+      </p:sp>
     </p:spTree>
   </p:cSld>
   <p:clrMapOvr>
@@ -9624,6 +9761,41 @@
           </a:xfrm>
         </p:spPr>
       </p:pic>
+      <p:sp>
+        <p:nvSpPr>
+          <p:cNvPr id="2" name="Номер слайда 1">
+            <a:extLst>
+              <a:ext uri="{FF2B5EF4-FFF2-40B4-BE49-F238E27FC236}">
+                <a16:creationId xmlns:a16="http://schemas.microsoft.com/office/drawing/2014/main" id="{3BF2E91B-D25F-4DC3-A0F6-A5554890B8FA}"/>
+              </a:ext>
+            </a:extLst>
+          </p:cNvPr>
+          <p:cNvSpPr>
+            <a:spLocks noGrp="1"/>
+          </p:cNvSpPr>
+          <p:nvPr>
+            <p:ph type="sldNum" sz="quarter" idx="12"/>
+          </p:nvPr>
+        </p:nvSpPr>
+        <p:spPr/>
+        <p:txBody>
+          <a:bodyPr/>
+          <a:lstStyle/>
+          <a:p>
+            <a:pPr>
+              <a:defRPr/>
+            </a:pPr>
+            <a:fld id="{5302CA2B-CCD5-4B1B-94AA-51A2F167E810}" type="slidenum">
+              <a:rPr lang="ru-RU" altLang="ru-RU" smtClean="0"/>
+              <a:pPr>
+                <a:defRPr/>
+              </a:pPr>
+              <a:t>27</a:t>
+            </a:fld>
+            <a:endParaRPr lang="ru-RU" altLang="ru-RU"/>
+          </a:p>
+        </p:txBody>
+      </p:sp>
     </p:spTree>
   </p:cSld>
   <p:clrMapOvr>
@@ -9685,6 +9857,41 @@
           </a:xfrm>
         </p:spPr>
       </p:pic>
+      <p:sp>
+        <p:nvSpPr>
+          <p:cNvPr id="2" name="Номер слайда 1">
+            <a:extLst>
+              <a:ext uri="{FF2B5EF4-FFF2-40B4-BE49-F238E27FC236}">
+                <a16:creationId xmlns:a16="http://schemas.microsoft.com/office/drawing/2014/main" id="{F34C08BE-E8A4-4221-9DED-CDAA6E5A4E67}"/>
+              </a:ext>
+            </a:extLst>
+          </p:cNvPr>
+          <p:cNvSpPr>
+            <a:spLocks noGrp="1"/>
+          </p:cNvSpPr>
+          <p:nvPr>
+            <p:ph type="sldNum" sz="quarter" idx="12"/>
+          </p:nvPr>
+        </p:nvSpPr>
+        <p:spPr/>
+        <p:txBody>
+          <a:bodyPr/>
+          <a:lstStyle/>
+          <a:p>
+            <a:pPr>
+              <a:defRPr/>
+            </a:pPr>
+            <a:fld id="{5302CA2B-CCD5-4B1B-94AA-51A2F167E810}" type="slidenum">
+              <a:rPr lang="ru-RU" altLang="ru-RU" smtClean="0"/>
+              <a:pPr>
+                <a:defRPr/>
+              </a:pPr>
+              <a:t>28</a:t>
+            </a:fld>
+            <a:endParaRPr lang="ru-RU" altLang="ru-RU"/>
+          </a:p>
+        </p:txBody>
+      </p:sp>
     </p:spTree>
   </p:cSld>
   <p:clrMapOvr>
@@ -9746,6 +9953,41 @@
           </a:xfrm>
         </p:spPr>
       </p:pic>
+      <p:sp>
+        <p:nvSpPr>
+          <p:cNvPr id="2" name="Номер слайда 1">
+            <a:extLst>
+              <a:ext uri="{FF2B5EF4-FFF2-40B4-BE49-F238E27FC236}">
+                <a16:creationId xmlns:a16="http://schemas.microsoft.com/office/drawing/2014/main" id="{3F869EA8-BC2B-459A-AD7B-4E2097E86F20}"/>
+              </a:ext>
+            </a:extLst>
+          </p:cNvPr>
+          <p:cNvSpPr>
+            <a:spLocks noGrp="1"/>
+          </p:cNvSpPr>
+          <p:nvPr>
+            <p:ph type="sldNum" sz="quarter" idx="12"/>
+          </p:nvPr>
+        </p:nvSpPr>
+        <p:spPr/>
+        <p:txBody>
+          <a:bodyPr/>
+          <a:lstStyle/>
+          <a:p>
+            <a:pPr>
+              <a:defRPr/>
+            </a:pPr>
+            <a:fld id="{5302CA2B-CCD5-4B1B-94AA-51A2F167E810}" type="slidenum">
+              <a:rPr lang="ru-RU" altLang="ru-RU" smtClean="0"/>
+              <a:pPr>
+                <a:defRPr/>
+              </a:pPr>
+              <a:t>29</a:t>
+            </a:fld>
+            <a:endParaRPr lang="ru-RU" altLang="ru-RU"/>
+          </a:p>
+        </p:txBody>
+      </p:sp>
     </p:spTree>
   </p:cSld>
   <p:clrMapOvr>
@@ -9826,17 +10068,31 @@
           <a:p>
             <a:pPr eaLnBrk="1" hangingPunct="1"/>
             <a:r>
-              <a:rPr lang="ru-RU" altLang="ru-RU">
-                <a:latin typeface="Times New Roman" panose="02020603050405020304" pitchFamily="18" charset="0"/>
-                <a:cs typeface="Times New Roman" panose="02020603050405020304" pitchFamily="18" charset="0"/>
-              </a:rPr>
-              <a:t>Рекуррентные сети также могут быть полносвязными, но имеют свои особенности.</a:t>
+              <a:rPr lang="ru-RU" altLang="ru-RU" dirty="0">
+                <a:latin typeface="Times New Roman" panose="02020603050405020304" pitchFamily="18" charset="0"/>
+                <a:cs typeface="Times New Roman" panose="02020603050405020304" pitchFamily="18" charset="0"/>
+              </a:rPr>
+              <a:t>Рекуррентные сети также могут быть </a:t>
+            </a:r>
+            <a:r>
+              <a:rPr lang="ru-RU" altLang="ru-RU" dirty="0" err="1">
+                <a:latin typeface="Times New Roman" panose="02020603050405020304" pitchFamily="18" charset="0"/>
+                <a:cs typeface="Times New Roman" panose="02020603050405020304" pitchFamily="18" charset="0"/>
+              </a:rPr>
+              <a:t>полносвязными</a:t>
+            </a:r>
+            <a:r>
+              <a:rPr lang="ru-RU" altLang="ru-RU" dirty="0">
+                <a:latin typeface="Times New Roman" panose="02020603050405020304" pitchFamily="18" charset="0"/>
+                <a:cs typeface="Times New Roman" panose="02020603050405020304" pitchFamily="18" charset="0"/>
+              </a:rPr>
+              <a:t>, но имеют свои особенности.</a:t>
             </a:r>
           </a:p>
           <a:p>
             <a:pPr eaLnBrk="1" hangingPunct="1"/>
             <a:r>
-              <a:rPr lang="ru-RU" altLang="ru-RU">
+              <a:rPr lang="ru-RU" altLang="ru-RU" dirty="0">
                 <a:latin typeface="Times New Roman" panose="02020603050405020304" pitchFamily="18" charset="0"/>
                 <a:cs typeface="Times New Roman" panose="02020603050405020304" pitchFamily="18" charset="0"/>
               </a:rPr>
@@ -9846,7 +10102,7 @@
           <a:p>
             <a:pPr eaLnBrk="1" hangingPunct="1"/>
             <a:r>
-              <a:rPr lang="ru-RU" altLang="ru-RU">
+              <a:rPr lang="ru-RU" altLang="ru-RU" dirty="0">
                 <a:latin typeface="Times New Roman" panose="02020603050405020304" pitchFamily="18" charset="0"/>
                 <a:cs typeface="Times New Roman" panose="02020603050405020304" pitchFamily="18" charset="0"/>
               </a:rPr>
@@ -9856,7 +10112,7 @@
           <a:p>
             <a:pPr eaLnBrk="1" hangingPunct="1"/>
             <a:r>
-              <a:rPr lang="ru-RU" altLang="ru-RU">
+              <a:rPr lang="ru-RU" altLang="ru-RU" dirty="0">
                 <a:latin typeface="Times New Roman" panose="02020603050405020304" pitchFamily="18" charset="0"/>
                 <a:cs typeface="Times New Roman" panose="02020603050405020304" pitchFamily="18" charset="0"/>
               </a:rPr>
@@ -9865,10 +10121,45 @@
           </a:p>
           <a:p>
             <a:pPr eaLnBrk="1" hangingPunct="1"/>
-            <a:endParaRPr lang="ru-RU" altLang="ru-RU">
+            <a:endParaRPr lang="ru-RU" altLang="ru-RU" dirty="0">
               <a:latin typeface="Times New Roman" panose="02020603050405020304" pitchFamily="18" charset="0"/>
               <a:cs typeface="Times New Roman" panose="02020603050405020304" pitchFamily="18" charset="0"/>
             </a:endParaRPr>
+          </a:p>
+        </p:txBody>
+      </p:sp>
+      <p:sp>
+        <p:nvSpPr>
+          <p:cNvPr id="2" name="Номер слайда 1">
+            <a:extLst>
+              <a:ext uri="{FF2B5EF4-FFF2-40B4-BE49-F238E27FC236}">
+                <a16:creationId xmlns:a16="http://schemas.microsoft.com/office/drawing/2014/main" id="{FAF5DCB5-AF42-4E48-A496-7795BB11ECC5}"/>
+              </a:ext>
+            </a:extLst>
+          </p:cNvPr>
+          <p:cNvSpPr>
+            <a:spLocks noGrp="1"/>
+          </p:cNvSpPr>
+          <p:nvPr>
+            <p:ph type="sldNum" sz="quarter" idx="12"/>
+          </p:nvPr>
+        </p:nvSpPr>
+        <p:spPr/>
+        <p:txBody>
+          <a:bodyPr/>
+          <a:lstStyle/>
+          <a:p>
+            <a:pPr>
+              <a:defRPr/>
+            </a:pPr>
+            <a:fld id="{5302CA2B-CCD5-4B1B-94AA-51A2F167E810}" type="slidenum">
+              <a:rPr lang="ru-RU" altLang="ru-RU" smtClean="0"/>
+              <a:pPr>
+                <a:defRPr/>
+              </a:pPr>
+              <a:t>3</a:t>
+            </a:fld>
+            <a:endParaRPr lang="ru-RU" altLang="ru-RU"/>
           </a:p>
         </p:txBody>
       </p:sp>
@@ -9920,7 +10211,7 @@
           <a:p>
             <a:pPr eaLnBrk="1" hangingPunct="1"/>
             <a:r>
-              <a:rPr lang="ru-RU" altLang="ru-RU">
+              <a:rPr lang="ru-RU" altLang="ru-RU" dirty="0">
                 <a:latin typeface="Times New Roman" panose="02020603050405020304" pitchFamily="18" charset="0"/>
                 <a:cs typeface="Times New Roman" panose="02020603050405020304" pitchFamily="18" charset="0"/>
               </a:rPr>
@@ -9965,6 +10256,41 @@
           </a:xfrm>
         </p:spPr>
       </p:pic>
+      <p:sp>
+        <p:nvSpPr>
+          <p:cNvPr id="2" name="Номер слайда 1">
+            <a:extLst>
+              <a:ext uri="{FF2B5EF4-FFF2-40B4-BE49-F238E27FC236}">
+                <a16:creationId xmlns:a16="http://schemas.microsoft.com/office/drawing/2014/main" id="{BAB324DD-4E3B-477C-B824-31D73DA0CCF5}"/>
+              </a:ext>
+            </a:extLst>
+          </p:cNvPr>
+          <p:cNvSpPr>
+            <a:spLocks noGrp="1"/>
+          </p:cNvSpPr>
+          <p:nvPr>
+            <p:ph type="sldNum" sz="quarter" idx="12"/>
+          </p:nvPr>
+        </p:nvSpPr>
+        <p:spPr/>
+        <p:txBody>
+          <a:bodyPr/>
+          <a:lstStyle/>
+          <a:p>
+            <a:pPr>
+              <a:defRPr/>
+            </a:pPr>
+            <a:fld id="{5302CA2B-CCD5-4B1B-94AA-51A2F167E810}" type="slidenum">
+              <a:rPr lang="ru-RU" altLang="ru-RU" smtClean="0"/>
+              <a:pPr>
+                <a:defRPr/>
+              </a:pPr>
+              <a:t>4</a:t>
+            </a:fld>
+            <a:endParaRPr lang="ru-RU" altLang="ru-RU"/>
+          </a:p>
+        </p:txBody>
+      </p:sp>
     </p:spTree>
   </p:cSld>
   <p:clrMapOvr>
@@ -10013,7 +10339,7 @@
           <a:p>
             <a:pPr eaLnBrk="1" hangingPunct="1"/>
             <a:r>
-              <a:rPr lang="ru-RU" altLang="ru-RU">
+              <a:rPr lang="ru-RU" altLang="ru-RU" dirty="0">
                 <a:latin typeface="Times New Roman" panose="02020603050405020304" pitchFamily="18" charset="0"/>
                 <a:cs typeface="Times New Roman" panose="02020603050405020304" pitchFamily="18" charset="0"/>
               </a:rPr>
@@ -10045,7 +10371,7 @@
           <a:p>
             <a:pPr eaLnBrk="1" hangingPunct="1"/>
             <a:r>
-              <a:rPr lang="ru-RU" altLang="ru-RU">
+              <a:rPr lang="ru-RU" altLang="ru-RU" dirty="0">
                 <a:latin typeface="Times New Roman" panose="02020603050405020304" pitchFamily="18" charset="0"/>
                 <a:cs typeface="Times New Roman" panose="02020603050405020304" pitchFamily="18" charset="0"/>
               </a:rPr>
@@ -10055,27 +10381,48 @@
           <a:p>
             <a:pPr eaLnBrk="1" hangingPunct="1"/>
             <a:r>
-              <a:rPr lang="ru-RU" altLang="ru-RU">
-                <a:latin typeface="Times New Roman" panose="02020603050405020304" pitchFamily="18" charset="0"/>
-                <a:cs typeface="Times New Roman" panose="02020603050405020304" pitchFamily="18" charset="0"/>
-              </a:rPr>
-              <a:t>Предложена Зеппом Хохрайтером и Юргеном Шмидхубером</a:t>
-            </a:r>
-            <a:r>
-              <a:rPr lang="en-US" altLang="ru-RU">
+              <a:rPr lang="ru-RU" altLang="ru-RU" dirty="0">
+                <a:latin typeface="Times New Roman" panose="02020603050405020304" pitchFamily="18" charset="0"/>
+                <a:cs typeface="Times New Roman" panose="02020603050405020304" pitchFamily="18" charset="0"/>
+              </a:rPr>
+              <a:t>Предложена Зеппом </a:t>
+            </a:r>
+            <a:r>
+              <a:rPr lang="ru-RU" altLang="ru-RU" dirty="0" err="1">
+                <a:latin typeface="Times New Roman" panose="02020603050405020304" pitchFamily="18" charset="0"/>
+                <a:cs typeface="Times New Roman" panose="02020603050405020304" pitchFamily="18" charset="0"/>
+              </a:rPr>
+              <a:t>Хохрайтером</a:t>
+            </a:r>
+            <a:r>
+              <a:rPr lang="ru-RU" altLang="ru-RU" dirty="0">
+                <a:latin typeface="Times New Roman" panose="02020603050405020304" pitchFamily="18" charset="0"/>
+                <a:cs typeface="Times New Roman" panose="02020603050405020304" pitchFamily="18" charset="0"/>
+              </a:rPr>
+              <a:t> и Юргеном </a:t>
+            </a:r>
+            <a:r>
+              <a:rPr lang="ru-RU" altLang="ru-RU" dirty="0" err="1">
+                <a:latin typeface="Times New Roman" panose="02020603050405020304" pitchFamily="18" charset="0"/>
+                <a:cs typeface="Times New Roman" panose="02020603050405020304" pitchFamily="18" charset="0"/>
+              </a:rPr>
+              <a:t>Шмидхубером</a:t>
+            </a:r>
+            <a:r>
+              <a:rPr lang="en-US" altLang="ru-RU" dirty="0">
                 <a:latin typeface="Times New Roman" panose="02020603050405020304" pitchFamily="18" charset="0"/>
                 <a:cs typeface="Times New Roman" panose="02020603050405020304" pitchFamily="18" charset="0"/>
               </a:rPr>
               <a:t> </a:t>
             </a:r>
             <a:r>
-              <a:rPr lang="ru-RU" altLang="ru-RU">
+              <a:rPr lang="ru-RU" altLang="ru-RU" dirty="0">
                 <a:latin typeface="Times New Roman" panose="02020603050405020304" pitchFamily="18" charset="0"/>
                 <a:cs typeface="Times New Roman" panose="02020603050405020304" pitchFamily="18" charset="0"/>
               </a:rPr>
               <a:t>в 1997 году.</a:t>
             </a:r>
-            <a:endParaRPr lang="en-US" altLang="ru-RU">
+            <a:endParaRPr lang="en-US" altLang="ru-RU" dirty="0">
               <a:latin typeface="Times New Roman" panose="02020603050405020304" pitchFamily="18" charset="0"/>
               <a:cs typeface="Times New Roman" panose="02020603050405020304" pitchFamily="18" charset="0"/>
             </a:endParaRPr>
@@ -10083,7 +10430,7 @@
           <a:p>
             <a:pPr eaLnBrk="1" hangingPunct="1"/>
             <a:r>
-              <a:rPr lang="ru-RU" altLang="ru-RU">
+              <a:rPr lang="ru-RU" altLang="ru-RU" dirty="0">
                 <a:latin typeface="Times New Roman" panose="02020603050405020304" pitchFamily="18" charset="0"/>
                 <a:cs typeface="Times New Roman" panose="02020603050405020304" pitchFamily="18" charset="0"/>
               </a:rPr>
@@ -10093,7 +10440,7 @@
           <a:p>
             <a:pPr eaLnBrk="1" hangingPunct="1"/>
             <a:r>
-              <a:rPr lang="ru-RU" altLang="ru-RU">
+              <a:rPr lang="ru-RU" altLang="ru-RU" dirty="0">
                 <a:latin typeface="Times New Roman" panose="02020603050405020304" pitchFamily="18" charset="0"/>
                 <a:cs typeface="Times New Roman" panose="02020603050405020304" pitchFamily="18" charset="0"/>
               </a:rPr>
@@ -10103,12 +10450,47 @@
           <a:p>
             <a:pPr eaLnBrk="1" hangingPunct="1"/>
             <a:r>
-              <a:rPr lang="ru-RU" altLang="ru-RU">
+              <a:rPr lang="ru-RU" altLang="ru-RU" dirty="0">
                 <a:latin typeface="Times New Roman" panose="02020603050405020304" pitchFamily="18" charset="0"/>
                 <a:cs typeface="Times New Roman" panose="02020603050405020304" pitchFamily="18" charset="0"/>
               </a:rPr>
               <a:t>Как следствие хорошо справляются с предсказанием временных рядов.</a:t>
             </a:r>
+          </a:p>
+        </p:txBody>
+      </p:sp>
+      <p:sp>
+        <p:nvSpPr>
+          <p:cNvPr id="2" name="Номер слайда 1">
+            <a:extLst>
+              <a:ext uri="{FF2B5EF4-FFF2-40B4-BE49-F238E27FC236}">
+                <a16:creationId xmlns:a16="http://schemas.microsoft.com/office/drawing/2014/main" id="{F4C4BD81-C5CD-48FE-938F-884A25E6E92B}"/>
+              </a:ext>
+            </a:extLst>
+          </p:cNvPr>
+          <p:cNvSpPr>
+            <a:spLocks noGrp="1"/>
+          </p:cNvSpPr>
+          <p:nvPr>
+            <p:ph type="sldNum" sz="quarter" idx="12"/>
+          </p:nvPr>
+        </p:nvSpPr>
+        <p:spPr/>
+        <p:txBody>
+          <a:bodyPr/>
+          <a:lstStyle/>
+          <a:p>
+            <a:pPr>
+              <a:defRPr/>
+            </a:pPr>
+            <a:fld id="{5302CA2B-CCD5-4B1B-94AA-51A2F167E810}" type="slidenum">
+              <a:rPr lang="ru-RU" altLang="ru-RU" smtClean="0"/>
+              <a:pPr>
+                <a:defRPr/>
+              </a:pPr>
+              <a:t>5</a:t>
+            </a:fld>
+            <a:endParaRPr lang="ru-RU" altLang="ru-RU" dirty="0"/>
           </a:p>
         </p:txBody>
       </p:sp>
@@ -10205,6 +10587,41 @@
           </a:xfrm>
         </p:spPr>
       </p:pic>
+      <p:sp>
+        <p:nvSpPr>
+          <p:cNvPr id="2" name="Номер слайда 1">
+            <a:extLst>
+              <a:ext uri="{FF2B5EF4-FFF2-40B4-BE49-F238E27FC236}">
+                <a16:creationId xmlns:a16="http://schemas.microsoft.com/office/drawing/2014/main" id="{19DE6E09-B8A4-42BC-A3C2-CBD85DCE4BBB}"/>
+              </a:ext>
+            </a:extLst>
+          </p:cNvPr>
+          <p:cNvSpPr>
+            <a:spLocks noGrp="1"/>
+          </p:cNvSpPr>
+          <p:nvPr>
+            <p:ph type="sldNum" sz="quarter" idx="12"/>
+          </p:nvPr>
+        </p:nvSpPr>
+        <p:spPr/>
+        <p:txBody>
+          <a:bodyPr/>
+          <a:lstStyle/>
+          <a:p>
+            <a:pPr>
+              <a:defRPr/>
+            </a:pPr>
+            <a:fld id="{5302CA2B-CCD5-4B1B-94AA-51A2F167E810}" type="slidenum">
+              <a:rPr lang="ru-RU" altLang="ru-RU" smtClean="0"/>
+              <a:pPr>
+                <a:defRPr/>
+              </a:pPr>
+              <a:t>6</a:t>
+            </a:fld>
+            <a:endParaRPr lang="ru-RU" altLang="ru-RU"/>
+          </a:p>
+        </p:txBody>
+      </p:sp>
     </p:spTree>
   </p:cSld>
   <p:clrMapOvr>
@@ -10298,6 +10715,41 @@
           </a:xfrm>
         </p:spPr>
       </p:pic>
+      <p:sp>
+        <p:nvSpPr>
+          <p:cNvPr id="2" name="Номер слайда 1">
+            <a:extLst>
+              <a:ext uri="{FF2B5EF4-FFF2-40B4-BE49-F238E27FC236}">
+                <a16:creationId xmlns:a16="http://schemas.microsoft.com/office/drawing/2014/main" id="{6878E2B2-5859-45BB-89A3-107612645ADF}"/>
+              </a:ext>
+            </a:extLst>
+          </p:cNvPr>
+          <p:cNvSpPr>
+            <a:spLocks noGrp="1"/>
+          </p:cNvSpPr>
+          <p:nvPr>
+            <p:ph type="sldNum" sz="quarter" idx="12"/>
+          </p:nvPr>
+        </p:nvSpPr>
+        <p:spPr/>
+        <p:txBody>
+          <a:bodyPr/>
+          <a:lstStyle/>
+          <a:p>
+            <a:pPr>
+              <a:defRPr/>
+            </a:pPr>
+            <a:fld id="{5302CA2B-CCD5-4B1B-94AA-51A2F167E810}" type="slidenum">
+              <a:rPr lang="ru-RU" altLang="ru-RU" smtClean="0"/>
+              <a:pPr>
+                <a:defRPr/>
+              </a:pPr>
+              <a:t>7</a:t>
+            </a:fld>
+            <a:endParaRPr lang="ru-RU" altLang="ru-RU"/>
+          </a:p>
+        </p:txBody>
+      </p:sp>
     </p:spTree>
   </p:cSld>
   <p:clrMapOvr>
@@ -10428,6 +10880,41 @@
           </a:p>
         </p:txBody>
       </p:sp>
+      <p:sp>
+        <p:nvSpPr>
+          <p:cNvPr id="2" name="Номер слайда 1">
+            <a:extLst>
+              <a:ext uri="{FF2B5EF4-FFF2-40B4-BE49-F238E27FC236}">
+                <a16:creationId xmlns:a16="http://schemas.microsoft.com/office/drawing/2014/main" id="{A8B82CC1-FD03-4C69-A2A3-2C60DCEE57ED}"/>
+              </a:ext>
+            </a:extLst>
+          </p:cNvPr>
+          <p:cNvSpPr>
+            <a:spLocks noGrp="1"/>
+          </p:cNvSpPr>
+          <p:nvPr>
+            <p:ph type="sldNum" sz="quarter" idx="12"/>
+          </p:nvPr>
+        </p:nvSpPr>
+        <p:spPr/>
+        <p:txBody>
+          <a:bodyPr/>
+          <a:lstStyle/>
+          <a:p>
+            <a:pPr>
+              <a:defRPr/>
+            </a:pPr>
+            <a:fld id="{5302CA2B-CCD5-4B1B-94AA-51A2F167E810}" type="slidenum">
+              <a:rPr lang="ru-RU" altLang="ru-RU" smtClean="0"/>
+              <a:pPr>
+                <a:defRPr/>
+              </a:pPr>
+              <a:t>8</a:t>
+            </a:fld>
+            <a:endParaRPr lang="ru-RU" altLang="ru-RU"/>
+          </a:p>
+        </p:txBody>
+      </p:sp>
     </p:spTree>
   </p:cSld>
   <p:clrMapOvr>
@@ -10538,6 +11025,41 @@
               </a:rPr>
               <a:t>Оптимизация сети достигается за счёт минимизации размера или информации при условии, что сеть не деградирует в допустимых пределах.</a:t>
             </a:r>
+          </a:p>
+        </p:txBody>
+      </p:sp>
+      <p:sp>
+        <p:nvSpPr>
+          <p:cNvPr id="2" name="Номер слайда 1">
+            <a:extLst>
+              <a:ext uri="{FF2B5EF4-FFF2-40B4-BE49-F238E27FC236}">
+                <a16:creationId xmlns:a16="http://schemas.microsoft.com/office/drawing/2014/main" id="{0A490EE2-BE42-4A46-9D71-BF777578A11C}"/>
+              </a:ext>
+            </a:extLst>
+          </p:cNvPr>
+          <p:cNvSpPr>
+            <a:spLocks noGrp="1"/>
+          </p:cNvSpPr>
+          <p:nvPr>
+            <p:ph type="sldNum" sz="quarter" idx="12"/>
+          </p:nvPr>
+        </p:nvSpPr>
+        <p:spPr/>
+        <p:txBody>
+          <a:bodyPr/>
+          <a:lstStyle/>
+          <a:p>
+            <a:pPr>
+              <a:defRPr/>
+            </a:pPr>
+            <a:fld id="{5302CA2B-CCD5-4B1B-94AA-51A2F167E810}" type="slidenum">
+              <a:rPr lang="ru-RU" altLang="ru-RU" smtClean="0"/>
+              <a:pPr>
+                <a:defRPr/>
+              </a:pPr>
+              <a:t>9</a:t>
+            </a:fld>
+            <a:endParaRPr lang="ru-RU" altLang="ru-RU"/>
           </a:p>
         </p:txBody>
       </p:sp>
